--- a/Polymorphism in C#.pptx
+++ b/Polymorphism in C#.pptx
@@ -8,6 +8,9 @@
     <p:sldId id="256" r:id="rId2"/>
     <p:sldId id="257" r:id="rId3"/>
     <p:sldId id="258" r:id="rId4"/>
+    <p:sldId id="259" r:id="rId5"/>
+    <p:sldId id="260" r:id="rId6"/>
+    <p:sldId id="261" r:id="rId7"/>
   </p:sldIdLst>
   <p:sldSz cx="12192000" cy="6858000"/>
   <p:notesSz cx="6858000" cy="9144000"/>
@@ -106,6 +109,11 @@
       </a:defRPr>
     </a:lvl9pPr>
   </p:defaultTextStyle>
+  <p:extLst>
+    <p:ext uri="{EFAFB233-063F-42B5-8137-9DF3F51BA10A}">
+      <p15:sldGuideLst xmlns:p15="http://schemas.microsoft.com/office/powerpoint/2012/main"/>
+    </p:ext>
+  </p:extLst>
 </p:presentation>
 </file>
 
@@ -2974,7 +2982,7 @@
           <a:p>
             <a:fld id="{23FF0D5D-3E41-4D84-B08D-F903565DD03F}" type="datetimeFigureOut">
               <a:rPr lang="en-US" smtClean="0"/>
-              <a:t>3/15/2022</a:t>
+              <a:t>3/18/2022</a:t>
             </a:fld>
             <a:endParaRPr lang="en-US"/>
           </a:p>
@@ -3172,7 +3180,7 @@
           <a:p>
             <a:fld id="{23FF0D5D-3E41-4D84-B08D-F903565DD03F}" type="datetimeFigureOut">
               <a:rPr lang="en-US" smtClean="0"/>
-              <a:t>3/15/2022</a:t>
+              <a:t>3/18/2022</a:t>
             </a:fld>
             <a:endParaRPr lang="en-US"/>
           </a:p>
@@ -3380,7 +3388,7 @@
           <a:p>
             <a:fld id="{23FF0D5D-3E41-4D84-B08D-F903565DD03F}" type="datetimeFigureOut">
               <a:rPr lang="en-US" smtClean="0"/>
-              <a:t>3/15/2022</a:t>
+              <a:t>3/18/2022</a:t>
             </a:fld>
             <a:endParaRPr lang="en-US"/>
           </a:p>
@@ -3578,7 +3586,7 @@
           <a:p>
             <a:fld id="{23FF0D5D-3E41-4D84-B08D-F903565DD03F}" type="datetimeFigureOut">
               <a:rPr lang="en-US" smtClean="0"/>
-              <a:t>3/15/2022</a:t>
+              <a:t>3/18/2022</a:t>
             </a:fld>
             <a:endParaRPr lang="en-US"/>
           </a:p>
@@ -3853,7 +3861,7 @@
           <a:p>
             <a:fld id="{23FF0D5D-3E41-4D84-B08D-F903565DD03F}" type="datetimeFigureOut">
               <a:rPr lang="en-US" smtClean="0"/>
-              <a:t>3/15/2022</a:t>
+              <a:t>3/18/2022</a:t>
             </a:fld>
             <a:endParaRPr lang="en-US"/>
           </a:p>
@@ -4118,7 +4126,7 @@
           <a:p>
             <a:fld id="{23FF0D5D-3E41-4D84-B08D-F903565DD03F}" type="datetimeFigureOut">
               <a:rPr lang="en-US" smtClean="0"/>
-              <a:t>3/15/2022</a:t>
+              <a:t>3/18/2022</a:t>
             </a:fld>
             <a:endParaRPr lang="en-US"/>
           </a:p>
@@ -4530,7 +4538,7 @@
           <a:p>
             <a:fld id="{23FF0D5D-3E41-4D84-B08D-F903565DD03F}" type="datetimeFigureOut">
               <a:rPr lang="en-US" smtClean="0"/>
-              <a:t>3/15/2022</a:t>
+              <a:t>3/18/2022</a:t>
             </a:fld>
             <a:endParaRPr lang="en-US"/>
           </a:p>
@@ -4671,7 +4679,7 @@
           <a:p>
             <a:fld id="{23FF0D5D-3E41-4D84-B08D-F903565DD03F}" type="datetimeFigureOut">
               <a:rPr lang="en-US" smtClean="0"/>
-              <a:t>3/15/2022</a:t>
+              <a:t>3/18/2022</a:t>
             </a:fld>
             <a:endParaRPr lang="en-US"/>
           </a:p>
@@ -4784,7 +4792,7 @@
           <a:p>
             <a:fld id="{23FF0D5D-3E41-4D84-B08D-F903565DD03F}" type="datetimeFigureOut">
               <a:rPr lang="en-US" smtClean="0"/>
-              <a:t>3/15/2022</a:t>
+              <a:t>3/18/2022</a:t>
             </a:fld>
             <a:endParaRPr lang="en-US"/>
           </a:p>
@@ -5095,7 +5103,7 @@
           <a:p>
             <a:fld id="{23FF0D5D-3E41-4D84-B08D-F903565DD03F}" type="datetimeFigureOut">
               <a:rPr lang="en-US" smtClean="0"/>
-              <a:t>3/15/2022</a:t>
+              <a:t>3/18/2022</a:t>
             </a:fld>
             <a:endParaRPr lang="en-US"/>
           </a:p>
@@ -5383,7 +5391,7 @@
           <a:p>
             <a:fld id="{23FF0D5D-3E41-4D84-B08D-F903565DD03F}" type="datetimeFigureOut">
               <a:rPr lang="en-US" smtClean="0"/>
-              <a:t>3/15/2022</a:t>
+              <a:t>3/18/2022</a:t>
             </a:fld>
             <a:endParaRPr lang="en-US"/>
           </a:p>
@@ -5624,7 +5632,7 @@
           <a:p>
             <a:fld id="{23FF0D5D-3E41-4D84-B08D-F903565DD03F}" type="datetimeFigureOut">
               <a:rPr lang="en-US" smtClean="0"/>
-              <a:t>3/15/2022</a:t>
+              <a:t>3/18/2022</a:t>
             </a:fld>
             <a:endParaRPr lang="en-US"/>
           </a:p>
@@ -6877,7 +6885,7 @@
               </a:spcAft>
             </a:pPr>
             <a:r>
-              <a:rPr lang="en-US" sz="3600" i="0" kern="1200">
+              <a:rPr lang="en-US" sz="3600" i="0" kern="1200" dirty="0">
                 <a:solidFill>
                   <a:srgbClr val="080808"/>
                 </a:solidFill>
@@ -7312,7 +7320,8 @@
                   <a:srgbClr val="000000"/>
                 </a:solidFill>
                 <a:effectLst/>
-                <a:latin typeface="arial" panose="020B0604020202020204" pitchFamily="34" charset="0"/>
+                <a:latin typeface="Segoe UI" panose="020B0502040204020203" pitchFamily="34" charset="0"/>
+                <a:cs typeface="Segoe UI" panose="020B0502040204020203" pitchFamily="34" charset="0"/>
               </a:rPr>
               <a:t>What is Polymorphism in C#?</a:t>
             </a:r>
@@ -7321,7 +7330,8 @@
                 <a:srgbClr val="3A3A3A"/>
               </a:solidFill>
               <a:effectLst/>
-              <a:latin typeface="-apple-system"/>
+              <a:latin typeface="Segoe UI" panose="020B0502040204020203" pitchFamily="34" charset="0"/>
+              <a:cs typeface="Segoe UI" panose="020B0502040204020203" pitchFamily="34" charset="0"/>
             </a:endParaRPr>
           </a:p>
           <a:p>
@@ -7332,7 +7342,8 @@
                   <a:srgbClr val="000000"/>
                 </a:solidFill>
                 <a:effectLst/>
-                <a:latin typeface="arial" panose="020B0604020202020204" pitchFamily="34" charset="0"/>
+                <a:latin typeface="Segoe UI" panose="020B0502040204020203" pitchFamily="34" charset="0"/>
+                <a:cs typeface="Segoe UI" panose="020B0502040204020203" pitchFamily="34" charset="0"/>
               </a:rPr>
               <a:t>The word polymorphism is derived from the Greek word, where Poly means many and morph means faces/ behaviors. So, the word polymorphism means the ability to take more than one form. Please have a look at the following diagram. As shown in the below diagram, the vehicle is something that has various forms; two-wheeler, three-wheeler, and four-wheeler, and so on. So this is one example of polymorphism.</a:t>
             </a:r>
@@ -7341,7 +7352,8 @@
                 <a:srgbClr val="212529"/>
               </a:solidFill>
               <a:effectLst/>
-              <a:latin typeface="-apple-system"/>
+              <a:latin typeface="Segoe UI" panose="020B0502040204020203" pitchFamily="34" charset="0"/>
+              <a:cs typeface="Segoe UI" panose="020B0502040204020203" pitchFamily="34" charset="0"/>
             </a:endParaRPr>
           </a:p>
         </p:txBody>
@@ -8507,7 +8519,8 @@
                   <a:srgbClr val="000000"/>
                 </a:solidFill>
                 <a:effectLst/>
-                <a:latin typeface="arial" panose="020B0604020202020204" pitchFamily="34" charset="0"/>
+                <a:latin typeface="Segoe UI" panose="020B0502040204020203" pitchFamily="34" charset="0"/>
+                <a:cs typeface="Segoe UI" panose="020B0502040204020203" pitchFamily="34" charset="0"/>
               </a:rPr>
               <a:t>What is Method Overloading or Function Overloading in C#?</a:t>
             </a:r>
@@ -8516,7 +8529,8 @@
                 <a:srgbClr val="3A3A3A"/>
               </a:solidFill>
               <a:effectLst/>
-              <a:latin typeface="-apple-system"/>
+              <a:latin typeface="Segoe UI" panose="020B0502040204020203" pitchFamily="34" charset="0"/>
+              <a:cs typeface="Segoe UI" panose="020B0502040204020203" pitchFamily="34" charset="0"/>
             </a:endParaRPr>
           </a:p>
         </p:txBody>
@@ -8555,7 +8569,8 @@
                   <a:srgbClr val="000000"/>
                 </a:solidFill>
                 <a:effectLst/>
-                <a:latin typeface="arial" panose="020B0604020202020204" pitchFamily="34" charset="0"/>
+                <a:latin typeface="Segoe UI" panose="020B0502040204020203" pitchFamily="34" charset="0"/>
+                <a:cs typeface="Segoe UI" panose="020B0502040204020203" pitchFamily="34" charset="0"/>
               </a:rPr>
               <a:t>Method Overloading in C#</a:t>
             </a:r>
@@ -8565,7 +8580,8 @@
                   <a:srgbClr val="000000"/>
                 </a:solidFill>
                 <a:effectLst/>
-                <a:latin typeface="arial" panose="020B0604020202020204" pitchFamily="34" charset="0"/>
+                <a:latin typeface="Segoe UI" panose="020B0502040204020203" pitchFamily="34" charset="0"/>
+                <a:cs typeface="Segoe UI" panose="020B0502040204020203" pitchFamily="34" charset="0"/>
               </a:rPr>
               <a:t> allows a class to have multiple methods with the same name but with a different signature. The functions or methods can be overloaded based on the number, type (int, float, </a:t>
             </a:r>
@@ -8575,7 +8591,8 @@
                   <a:srgbClr val="000000"/>
                 </a:solidFill>
                 <a:effectLst/>
-                <a:latin typeface="arial" panose="020B0604020202020204" pitchFamily="34" charset="0"/>
+                <a:latin typeface="Segoe UI" panose="020B0502040204020203" pitchFamily="34" charset="0"/>
+                <a:cs typeface="Segoe UI" panose="020B0502040204020203" pitchFamily="34" charset="0"/>
               </a:rPr>
               <a:t>etc</a:t>
             </a:r>
@@ -8585,11 +8602,15 @@
                   <a:srgbClr val="000000"/>
                 </a:solidFill>
                 <a:effectLst/>
-                <a:latin typeface="arial" panose="020B0604020202020204" pitchFamily="34" charset="0"/>
+                <a:latin typeface="Segoe UI" panose="020B0502040204020203" pitchFamily="34" charset="0"/>
+                <a:cs typeface="Segoe UI" panose="020B0502040204020203" pitchFamily="34" charset="0"/>
               </a:rPr>
               <a:t>), order, and kind (Value, Ref or Out) of parameters</a:t>
             </a:r>
-            <a:endParaRPr lang="en-US" dirty="0"/>
+            <a:endParaRPr lang="en-US" dirty="0">
+              <a:latin typeface="Segoe UI" panose="020B0502040204020203" pitchFamily="34" charset="0"/>
+              <a:cs typeface="Segoe UI" panose="020B0502040204020203" pitchFamily="34" charset="0"/>
+            </a:endParaRPr>
           </a:p>
         </p:txBody>
       </p:sp>
@@ -8890,6 +8911,1566 @@
     <p:extLst>
       <p:ext uri="{BB962C8B-B14F-4D97-AF65-F5344CB8AC3E}">
         <p14:creationId xmlns:p14="http://schemas.microsoft.com/office/powerpoint/2010/main" val="1712774433"/>
+      </p:ext>
+    </p:extLst>
+  </p:cSld>
+  <p:clrMapOvr>
+    <a:masterClrMapping/>
+  </p:clrMapOvr>
+</p:sld>
+</file>
+
+<file path=ppt/slides/slide4.xml><?xml version="1.0" encoding="utf-8"?>
+<p:sld xmlns:a="http://schemas.openxmlformats.org/drawingml/2006/main" xmlns:r="http://schemas.openxmlformats.org/officeDocument/2006/relationships" xmlns:p="http://schemas.openxmlformats.org/presentationml/2006/main">
+  <p:cSld>
+    <p:spTree>
+      <p:nvGrpSpPr>
+        <p:cNvPr id="1" name=""/>
+        <p:cNvGrpSpPr/>
+        <p:nvPr/>
+      </p:nvGrpSpPr>
+      <p:grpSpPr>
+        <a:xfrm>
+          <a:off x="0" y="0"/>
+          <a:ext cx="0" cy="0"/>
+          <a:chOff x="0" y="0"/>
+          <a:chExt cx="0" cy="0"/>
+        </a:xfrm>
+      </p:grpSpPr>
+      <p:sp>
+        <p:nvSpPr>
+          <p:cNvPr id="3" name="TextBox 2">
+            <a:extLst>
+              <a:ext uri="{FF2B5EF4-FFF2-40B4-BE49-F238E27FC236}">
+                <a16:creationId xmlns:a16="http://schemas.microsoft.com/office/drawing/2014/main" id="{B6DCB1F3-C5C4-42CE-8763-DFC20B4CF177}"/>
+              </a:ext>
+            </a:extLst>
+          </p:cNvPr>
+          <p:cNvSpPr txBox="1"/>
+          <p:nvPr/>
+        </p:nvSpPr>
+        <p:spPr>
+          <a:xfrm>
+            <a:off x="-1604" y="74961"/>
+            <a:ext cx="12193604" cy="1415772"/>
+          </a:xfrm>
+          <a:prstGeom prst="rect">
+            <a:avLst/>
+          </a:prstGeom>
+          <a:noFill/>
+        </p:spPr>
+        <p:txBody>
+          <a:bodyPr wrap="square">
+            <a:spAutoFit/>
+          </a:bodyPr>
+          <a:lstStyle/>
+          <a:p>
+            <a:pPr algn="just" fontAlgn="base"/>
+            <a:r>
+              <a:rPr lang="en-US" sz="1400" b="1" i="0" dirty="0">
+                <a:solidFill>
+                  <a:srgbClr val="000000"/>
+                </a:solidFill>
+                <a:effectLst/>
+                <a:latin typeface="arial" panose="020B0604020202020204" pitchFamily="34" charset="0"/>
+              </a:rPr>
+              <a:t>What is Method Overriding in C#?</a:t>
+            </a:r>
+            <a:endParaRPr lang="en-US" b="0" i="0" dirty="0">
+              <a:solidFill>
+                <a:srgbClr val="3A3A3A"/>
+              </a:solidFill>
+              <a:effectLst/>
+              <a:latin typeface="-apple-system"/>
+            </a:endParaRPr>
+          </a:p>
+          <a:p>
+            <a:pPr algn="just" fontAlgn="base"/>
+            <a:r>
+              <a:rPr lang="en-US" b="0" i="0" dirty="0">
+                <a:solidFill>
+                  <a:srgbClr val="000000"/>
+                </a:solidFill>
+                <a:effectLst/>
+                <a:latin typeface="arial" panose="020B0604020202020204" pitchFamily="34" charset="0"/>
+              </a:rPr>
+              <a:t>The process of re-implementing the superclass non-static and non-private method in the subclass with the same signature is called Function Overriding or Method Overriding in C#. The same signature means the name and the parameters should be the same. The implementation of the subclass overrides (i.e. replaces) the implementation of the superclass method</a:t>
+            </a:r>
+            <a:endParaRPr lang="en-US" b="0" i="0" dirty="0">
+              <a:solidFill>
+                <a:srgbClr val="212529"/>
+              </a:solidFill>
+              <a:effectLst/>
+              <a:latin typeface="-apple-system"/>
+            </a:endParaRPr>
+          </a:p>
+        </p:txBody>
+      </p:sp>
+      <p:sp>
+        <p:nvSpPr>
+          <p:cNvPr id="5" name="TextBox 4">
+            <a:extLst>
+              <a:ext uri="{FF2B5EF4-FFF2-40B4-BE49-F238E27FC236}">
+                <a16:creationId xmlns:a16="http://schemas.microsoft.com/office/drawing/2014/main" id="{134D989C-DC13-4042-952A-862B6E32E05D}"/>
+              </a:ext>
+            </a:extLst>
+          </p:cNvPr>
+          <p:cNvSpPr txBox="1"/>
+          <p:nvPr/>
+        </p:nvSpPr>
+        <p:spPr>
+          <a:xfrm>
+            <a:off x="-1" y="1490733"/>
+            <a:ext cx="12192001" cy="923330"/>
+          </a:xfrm>
+          <a:prstGeom prst="rect">
+            <a:avLst/>
+          </a:prstGeom>
+          <a:noFill/>
+        </p:spPr>
+        <p:txBody>
+          <a:bodyPr wrap="square">
+            <a:spAutoFit/>
+          </a:bodyPr>
+          <a:lstStyle/>
+          <a:p>
+            <a:pPr algn="just" fontAlgn="base"/>
+            <a:r>
+              <a:rPr lang="en-US" b="1" i="0" dirty="0">
+                <a:solidFill>
+                  <a:srgbClr val="000000"/>
+                </a:solidFill>
+                <a:effectLst/>
+                <a:latin typeface="arial" panose="020B0604020202020204" pitchFamily="34" charset="0"/>
+              </a:rPr>
+              <a:t>When do we need to override a method in C#?</a:t>
+            </a:r>
+            <a:endParaRPr lang="en-US" b="0" i="0" dirty="0">
+              <a:solidFill>
+                <a:srgbClr val="3A3A3A"/>
+              </a:solidFill>
+              <a:effectLst/>
+              <a:latin typeface="-apple-system"/>
+            </a:endParaRPr>
+          </a:p>
+          <a:p>
+            <a:pPr algn="just" fontAlgn="base"/>
+            <a:r>
+              <a:rPr lang="en-US" b="0" i="0" dirty="0">
+                <a:solidFill>
+                  <a:srgbClr val="000000"/>
+                </a:solidFill>
+                <a:effectLst/>
+                <a:latin typeface="arial" panose="020B0604020202020204" pitchFamily="34" charset="0"/>
+              </a:rPr>
+              <a:t>If the superclass method logic is not fulfilling the sub-class business requirements, then the subclass needs to override that method with the required business logic.</a:t>
+            </a:r>
+            <a:endParaRPr lang="en-US" b="0" i="0" dirty="0">
+              <a:solidFill>
+                <a:srgbClr val="212529"/>
+              </a:solidFill>
+              <a:effectLst/>
+              <a:latin typeface="-apple-system"/>
+            </a:endParaRPr>
+          </a:p>
+        </p:txBody>
+      </p:sp>
+      <p:sp>
+        <p:nvSpPr>
+          <p:cNvPr id="7" name="TextBox 6">
+            <a:extLst>
+              <a:ext uri="{FF2B5EF4-FFF2-40B4-BE49-F238E27FC236}">
+                <a16:creationId xmlns:a16="http://schemas.microsoft.com/office/drawing/2014/main" id="{0ACDF97A-E359-409A-B95D-0FB13048DAD6}"/>
+              </a:ext>
+            </a:extLst>
+          </p:cNvPr>
+          <p:cNvSpPr txBox="1"/>
+          <p:nvPr/>
+        </p:nvSpPr>
+        <p:spPr>
+          <a:xfrm>
+            <a:off x="-1605" y="2684729"/>
+            <a:ext cx="8481461" cy="369332"/>
+          </a:xfrm>
+          <a:prstGeom prst="rect">
+            <a:avLst/>
+          </a:prstGeom>
+          <a:noFill/>
+        </p:spPr>
+        <p:txBody>
+          <a:bodyPr wrap="square">
+            <a:spAutoFit/>
+          </a:bodyPr>
+          <a:lstStyle/>
+          <a:p>
+            <a:pPr algn="just" fontAlgn="base"/>
+            <a:r>
+              <a:rPr lang="en-US" b="1" i="0" dirty="0">
+                <a:solidFill>
+                  <a:srgbClr val="000000"/>
+                </a:solidFill>
+                <a:effectLst/>
+                <a:latin typeface="arial" panose="020B0604020202020204" pitchFamily="34" charset="0"/>
+              </a:rPr>
+              <a:t>How can we override a parent class method under child class in C#?</a:t>
+            </a:r>
+            <a:endParaRPr lang="en-US" b="0" i="0" dirty="0">
+              <a:solidFill>
+                <a:srgbClr val="3A3A3A"/>
+              </a:solidFill>
+              <a:effectLst/>
+              <a:latin typeface="-apple-system"/>
+            </a:endParaRPr>
+          </a:p>
+        </p:txBody>
+      </p:sp>
+      <p:sp>
+        <p:nvSpPr>
+          <p:cNvPr id="9" name="TextBox 8">
+            <a:extLst>
+              <a:ext uri="{FF2B5EF4-FFF2-40B4-BE49-F238E27FC236}">
+                <a16:creationId xmlns:a16="http://schemas.microsoft.com/office/drawing/2014/main" id="{D75BD697-D5FE-4EA2-8E2D-2E7144003ACC}"/>
+              </a:ext>
+            </a:extLst>
+          </p:cNvPr>
+          <p:cNvSpPr txBox="1"/>
+          <p:nvPr/>
+        </p:nvSpPr>
+        <p:spPr>
+          <a:xfrm>
+            <a:off x="0" y="3054061"/>
+            <a:ext cx="6150542" cy="1754326"/>
+          </a:xfrm>
+          <a:prstGeom prst="rect">
+            <a:avLst/>
+          </a:prstGeom>
+          <a:noFill/>
+        </p:spPr>
+        <p:txBody>
+          <a:bodyPr wrap="square">
+            <a:spAutoFit/>
+          </a:bodyPr>
+          <a:lstStyle/>
+          <a:p>
+            <a:r>
+              <a:rPr lang="en-US" b="1" i="0" dirty="0">
+                <a:solidFill>
+                  <a:srgbClr val="212529"/>
+                </a:solidFill>
+                <a:effectLst/>
+                <a:latin typeface="arial" panose="020B0604020202020204" pitchFamily="34" charset="0"/>
+              </a:rPr>
+              <a:t>Syntax:</a:t>
+            </a:r>
+            <a:br>
+              <a:rPr lang="en-US" dirty="0"/>
+            </a:br>
+            <a:r>
+              <a:rPr lang="en-US" b="1" i="0" dirty="0">
+                <a:solidFill>
+                  <a:srgbClr val="0000FF"/>
+                </a:solidFill>
+                <a:effectLst/>
+                <a:latin typeface="arial" panose="020B0604020202020204" pitchFamily="34" charset="0"/>
+              </a:rPr>
+              <a:t>Class1:</a:t>
+            </a:r>
+            <a:br>
+              <a:rPr lang="en-US" dirty="0"/>
+            </a:br>
+            <a:r>
+              <a:rPr lang="en-US" b="1" i="0" dirty="0">
+                <a:solidFill>
+                  <a:srgbClr val="0000FF"/>
+                </a:solidFill>
+                <a:effectLst/>
+                <a:latin typeface="arial" panose="020B0604020202020204" pitchFamily="34" charset="0"/>
+              </a:rPr>
+              <a:t>Public virtual void show(){} </a:t>
+            </a:r>
+            <a:r>
+              <a:rPr lang="en-US" b="1" i="0" dirty="0">
+                <a:solidFill>
+                  <a:srgbClr val="000000"/>
+                </a:solidFill>
+                <a:effectLst/>
+                <a:latin typeface="arial" panose="020B0604020202020204" pitchFamily="34" charset="0"/>
+              </a:rPr>
+              <a:t>//virtual function (overridable)</a:t>
+            </a:r>
+            <a:br>
+              <a:rPr lang="en-US" dirty="0"/>
+            </a:br>
+            <a:r>
+              <a:rPr lang="en-US" b="1" i="0" dirty="0">
+                <a:solidFill>
+                  <a:srgbClr val="0000FF"/>
+                </a:solidFill>
+                <a:effectLst/>
+                <a:latin typeface="arial" panose="020B0604020202020204" pitchFamily="34" charset="0"/>
+              </a:rPr>
+              <a:t>Class2: Class1</a:t>
+            </a:r>
+            <a:br>
+              <a:rPr lang="en-US" dirty="0"/>
+            </a:br>
+            <a:r>
+              <a:rPr lang="en-US" b="1" i="0" dirty="0">
+                <a:solidFill>
+                  <a:srgbClr val="0000FF"/>
+                </a:solidFill>
+                <a:effectLst/>
+                <a:latin typeface="arial" panose="020B0604020202020204" pitchFamily="34" charset="0"/>
+              </a:rPr>
+              <a:t>Public override void show(){} </a:t>
+            </a:r>
+            <a:r>
+              <a:rPr lang="en-US" b="1" i="0" dirty="0">
+                <a:solidFill>
+                  <a:srgbClr val="000000"/>
+                </a:solidFill>
+                <a:effectLst/>
+                <a:latin typeface="arial" panose="020B0604020202020204" pitchFamily="34" charset="0"/>
+              </a:rPr>
+              <a:t>//overriding</a:t>
+            </a:r>
+            <a:endParaRPr lang="en-US" dirty="0"/>
+          </a:p>
+        </p:txBody>
+      </p:sp>
+      <p:sp>
+        <p:nvSpPr>
+          <p:cNvPr id="11" name="TextBox 10">
+            <a:extLst>
+              <a:ext uri="{FF2B5EF4-FFF2-40B4-BE49-F238E27FC236}">
+                <a16:creationId xmlns:a16="http://schemas.microsoft.com/office/drawing/2014/main" id="{92F1529F-4CA3-48FE-A04B-AB3BA7CC8E4D}"/>
+              </a:ext>
+            </a:extLst>
+          </p:cNvPr>
+          <p:cNvSpPr txBox="1"/>
+          <p:nvPr/>
+        </p:nvSpPr>
+        <p:spPr>
+          <a:xfrm>
+            <a:off x="-1" y="4854553"/>
+            <a:ext cx="7873465" cy="369332"/>
+          </a:xfrm>
+          <a:prstGeom prst="rect">
+            <a:avLst/>
+          </a:prstGeom>
+          <a:noFill/>
+        </p:spPr>
+        <p:txBody>
+          <a:bodyPr wrap="square">
+            <a:spAutoFit/>
+          </a:bodyPr>
+          <a:lstStyle/>
+          <a:p>
+            <a:pPr algn="just" fontAlgn="base"/>
+            <a:r>
+              <a:rPr lang="en-US" b="1" i="0" dirty="0">
+                <a:solidFill>
+                  <a:srgbClr val="000000"/>
+                </a:solidFill>
+                <a:effectLst/>
+                <a:latin typeface="arial" panose="020B0604020202020204" pitchFamily="34" charset="0"/>
+              </a:rPr>
+              <a:t>Using the base keyword to call the parent class methods in C#:</a:t>
+            </a:r>
+            <a:endParaRPr lang="en-US" b="0" i="0" dirty="0">
+              <a:solidFill>
+                <a:srgbClr val="3A3A3A"/>
+              </a:solidFill>
+              <a:effectLst/>
+              <a:latin typeface="-apple-system"/>
+            </a:endParaRPr>
+          </a:p>
+        </p:txBody>
+      </p:sp>
+      <p:sp>
+        <p:nvSpPr>
+          <p:cNvPr id="13" name="TextBox 12">
+            <a:extLst>
+              <a:ext uri="{FF2B5EF4-FFF2-40B4-BE49-F238E27FC236}">
+                <a16:creationId xmlns:a16="http://schemas.microsoft.com/office/drawing/2014/main" id="{4D6C25C8-527D-4F9E-B967-DAA45ECC2F72}"/>
+              </a:ext>
+            </a:extLst>
+          </p:cNvPr>
+          <p:cNvSpPr txBox="1"/>
+          <p:nvPr/>
+        </p:nvSpPr>
+        <p:spPr>
+          <a:xfrm>
+            <a:off x="0" y="5288687"/>
+            <a:ext cx="6150542" cy="369332"/>
+          </a:xfrm>
+          <a:prstGeom prst="rect">
+            <a:avLst/>
+          </a:prstGeom>
+          <a:noFill/>
+        </p:spPr>
+        <p:txBody>
+          <a:bodyPr wrap="square">
+            <a:spAutoFit/>
+          </a:bodyPr>
+          <a:lstStyle/>
+          <a:p>
+            <a:r>
+              <a:rPr lang="en-US" b="1" i="0" dirty="0" err="1">
+                <a:solidFill>
+                  <a:srgbClr val="000000"/>
+                </a:solidFill>
+                <a:effectLst/>
+                <a:latin typeface="arial" panose="020B0604020202020204" pitchFamily="34" charset="0"/>
+              </a:rPr>
+              <a:t>base.show</a:t>
+            </a:r>
+            <a:r>
+              <a:rPr lang="en-US" b="1" i="0" dirty="0">
+                <a:solidFill>
+                  <a:srgbClr val="000000"/>
+                </a:solidFill>
+                <a:effectLst/>
+                <a:latin typeface="arial" panose="020B0604020202020204" pitchFamily="34" charset="0"/>
+              </a:rPr>
+              <a:t>()</a:t>
+            </a:r>
+            <a:endParaRPr lang="en-US" dirty="0"/>
+          </a:p>
+        </p:txBody>
+      </p:sp>
+    </p:spTree>
+    <p:extLst>
+      <p:ext uri="{BB962C8B-B14F-4D97-AF65-F5344CB8AC3E}">
+        <p14:creationId xmlns:p14="http://schemas.microsoft.com/office/powerpoint/2010/main" val="3073147108"/>
+      </p:ext>
+    </p:extLst>
+  </p:cSld>
+  <p:clrMapOvr>
+    <a:masterClrMapping/>
+  </p:clrMapOvr>
+</p:sld>
+</file>
+
+<file path=ppt/slides/slide5.xml><?xml version="1.0" encoding="utf-8"?>
+<p:sld xmlns:a="http://schemas.openxmlformats.org/drawingml/2006/main" xmlns:r="http://schemas.openxmlformats.org/officeDocument/2006/relationships" xmlns:p="http://schemas.openxmlformats.org/presentationml/2006/main">
+  <p:cSld>
+    <p:spTree>
+      <p:nvGrpSpPr>
+        <p:cNvPr id="1" name=""/>
+        <p:cNvGrpSpPr/>
+        <p:nvPr/>
+      </p:nvGrpSpPr>
+      <p:grpSpPr>
+        <a:xfrm>
+          <a:off x="0" y="0"/>
+          <a:ext cx="0" cy="0"/>
+          <a:chOff x="0" y="0"/>
+          <a:chExt cx="0" cy="0"/>
+        </a:xfrm>
+      </p:grpSpPr>
+      <p:sp>
+        <p:nvSpPr>
+          <p:cNvPr id="3" name="TextBox 2">
+            <a:extLst>
+              <a:ext uri="{FF2B5EF4-FFF2-40B4-BE49-F238E27FC236}">
+                <a16:creationId xmlns:a16="http://schemas.microsoft.com/office/drawing/2014/main" id="{E9BA9A17-C5A1-41DC-9FAC-6A92AB4AE0D2}"/>
+              </a:ext>
+            </a:extLst>
+          </p:cNvPr>
+          <p:cNvSpPr txBox="1"/>
+          <p:nvPr/>
+        </p:nvSpPr>
+        <p:spPr>
+          <a:xfrm>
+            <a:off x="0" y="120134"/>
+            <a:ext cx="11627318" cy="369332"/>
+          </a:xfrm>
+          <a:prstGeom prst="rect">
+            <a:avLst/>
+          </a:prstGeom>
+          <a:noFill/>
+        </p:spPr>
+        <p:txBody>
+          <a:bodyPr wrap="square">
+            <a:spAutoFit/>
+          </a:bodyPr>
+          <a:lstStyle/>
+          <a:p>
+            <a:pPr algn="just" fontAlgn="base"/>
+            <a:r>
+              <a:rPr lang="en-US" b="1" i="0" dirty="0">
+                <a:solidFill>
+                  <a:srgbClr val="000000"/>
+                </a:solidFill>
+                <a:effectLst/>
+                <a:latin typeface="Segoe UI" panose="020B0502040204020203" pitchFamily="34" charset="0"/>
+                <a:cs typeface="Segoe UI" panose="020B0502040204020203" pitchFamily="34" charset="0"/>
+              </a:rPr>
+              <a:t>What is the difference between Method Overloading and Method Overriding in C#?</a:t>
+            </a:r>
+            <a:endParaRPr lang="en-US" b="0" i="0" dirty="0">
+              <a:solidFill>
+                <a:srgbClr val="3A3A3A"/>
+              </a:solidFill>
+              <a:effectLst/>
+              <a:latin typeface="Segoe UI" panose="020B0502040204020203" pitchFamily="34" charset="0"/>
+              <a:cs typeface="Segoe UI" panose="020B0502040204020203" pitchFamily="34" charset="0"/>
+            </a:endParaRPr>
+          </a:p>
+        </p:txBody>
+      </p:sp>
+      <p:graphicFrame>
+        <p:nvGraphicFramePr>
+          <p:cNvPr id="4" name="Table 3">
+            <a:extLst>
+              <a:ext uri="{FF2B5EF4-FFF2-40B4-BE49-F238E27FC236}">
+                <a16:creationId xmlns:a16="http://schemas.microsoft.com/office/drawing/2014/main" id="{D2993A83-E987-4F03-B1FC-0A426E475217}"/>
+              </a:ext>
+            </a:extLst>
+          </p:cNvPr>
+          <p:cNvGraphicFramePr>
+            <a:graphicFrameLocks noGrp="1"/>
+          </p:cNvGraphicFramePr>
+          <p:nvPr>
+            <p:extLst>
+              <p:ext uri="{D42A27DB-BD31-4B8C-83A1-F6EECF244321}">
+                <p14:modId xmlns:p14="http://schemas.microsoft.com/office/powerpoint/2010/main" val="1382444574"/>
+              </p:ext>
+            </p:extLst>
+          </p:nvPr>
+        </p:nvGraphicFramePr>
+        <p:xfrm>
+          <a:off x="96212" y="572452"/>
+          <a:ext cx="11953548" cy="5980748"/>
+        </p:xfrm>
+        <a:graphic>
+          <a:graphicData uri="http://schemas.openxmlformats.org/drawingml/2006/table">
+            <a:tbl>
+              <a:tblPr firstRow="1">
+                <a:tableStyleId>{21E4AEA4-8DFA-4A89-87EB-49C32662AFE0}</a:tableStyleId>
+              </a:tblPr>
+              <a:tblGrid>
+                <a:gridCol w="5976774">
+                  <a:extLst>
+                    <a:ext uri="{9D8B030D-6E8A-4147-A177-3AD203B41FA5}">
+                      <a16:colId xmlns:a16="http://schemas.microsoft.com/office/drawing/2014/main" val="3966442486"/>
+                    </a:ext>
+                  </a:extLst>
+                </a:gridCol>
+                <a:gridCol w="5976774">
+                  <a:extLst>
+                    <a:ext uri="{9D8B030D-6E8A-4147-A177-3AD203B41FA5}">
+                      <a16:colId xmlns:a16="http://schemas.microsoft.com/office/drawing/2014/main" val="1205346034"/>
+                    </a:ext>
+                  </a:extLst>
+                </a:gridCol>
+              </a:tblGrid>
+              <a:tr h="405475">
+                <a:tc>
+                  <a:txBody>
+                    <a:bodyPr/>
+                    <a:lstStyle/>
+                    <a:p>
+                      <a:pPr algn="l" fontAlgn="base"/>
+                      <a:r>
+                        <a:rPr lang="en-US" sz="1800" b="1">
+                          <a:solidFill>
+                            <a:srgbClr val="000000"/>
+                          </a:solidFill>
+                          <a:effectLst/>
+                          <a:latin typeface="Segoe UI" panose="020B0502040204020203" pitchFamily="34" charset="0"/>
+                          <a:cs typeface="Segoe UI" panose="020B0502040204020203" pitchFamily="34" charset="0"/>
+                        </a:rPr>
+                        <a:t>Method Overloading in C#</a:t>
+                      </a:r>
+                      <a:endParaRPr lang="en-US" sz="1800">
+                        <a:effectLst/>
+                        <a:latin typeface="Segoe UI" panose="020B0502040204020203" pitchFamily="34" charset="0"/>
+                        <a:cs typeface="Segoe UI" panose="020B0502040204020203" pitchFamily="34" charset="0"/>
+                      </a:endParaRPr>
+                    </a:p>
+                  </a:txBody>
+                  <a:tcPr marL="23047" marR="23047" marT="23047" marB="23047" anchor="ctr"/>
+                </a:tc>
+                <a:tc>
+                  <a:txBody>
+                    <a:bodyPr/>
+                    <a:lstStyle/>
+                    <a:p>
+                      <a:pPr algn="l" fontAlgn="base"/>
+                      <a:r>
+                        <a:rPr lang="en-US" sz="1800" b="1">
+                          <a:solidFill>
+                            <a:srgbClr val="000000"/>
+                          </a:solidFill>
+                          <a:effectLst/>
+                          <a:latin typeface="Segoe UI" panose="020B0502040204020203" pitchFamily="34" charset="0"/>
+                          <a:cs typeface="Segoe UI" panose="020B0502040204020203" pitchFamily="34" charset="0"/>
+                        </a:rPr>
+                        <a:t>Method Overriding in C#</a:t>
+                      </a:r>
+                      <a:endParaRPr lang="en-US" sz="1800">
+                        <a:effectLst/>
+                        <a:latin typeface="Segoe UI" panose="020B0502040204020203" pitchFamily="34" charset="0"/>
+                        <a:cs typeface="Segoe UI" panose="020B0502040204020203" pitchFamily="34" charset="0"/>
+                      </a:endParaRPr>
+                    </a:p>
+                  </a:txBody>
+                  <a:tcPr marL="23047" marR="23047" marT="23047" marB="23047" anchor="ctr"/>
+                </a:tc>
+                <a:extLst>
+                  <a:ext uri="{0D108BD9-81ED-4DB2-BD59-A6C34878D82A}">
+                    <a16:rowId xmlns:a16="http://schemas.microsoft.com/office/drawing/2014/main" val="3397972500"/>
+                  </a:ext>
+                </a:extLst>
+              </a:tr>
+              <a:tr h="918653">
+                <a:tc>
+                  <a:txBody>
+                    <a:bodyPr/>
+                    <a:lstStyle/>
+                    <a:p>
+                      <a:pPr algn="just" fontAlgn="base"/>
+                      <a:r>
+                        <a:rPr lang="en-US" sz="1800" dirty="0">
+                          <a:solidFill>
+                            <a:srgbClr val="000000"/>
+                          </a:solidFill>
+                          <a:effectLst/>
+                          <a:latin typeface="Segoe UI" panose="020B0502040204020203" pitchFamily="34" charset="0"/>
+                          <a:cs typeface="Segoe UI" panose="020B0502040204020203" pitchFamily="34" charset="0"/>
+                        </a:rPr>
+                        <a:t>It is an approach of defining multiple methods with the same name but with a different signature.</a:t>
+                      </a:r>
+                      <a:endParaRPr lang="en-US" sz="1800" dirty="0">
+                        <a:effectLst/>
+                        <a:latin typeface="Segoe UI" panose="020B0502040204020203" pitchFamily="34" charset="0"/>
+                        <a:cs typeface="Segoe UI" panose="020B0502040204020203" pitchFamily="34" charset="0"/>
+                      </a:endParaRPr>
+                    </a:p>
+                  </a:txBody>
+                  <a:tcPr marL="23047" marR="23047" marT="23047" marB="23047" anchor="ctr"/>
+                </a:tc>
+                <a:tc>
+                  <a:txBody>
+                    <a:bodyPr/>
+                    <a:lstStyle/>
+                    <a:p>
+                      <a:pPr algn="just" fontAlgn="base"/>
+                      <a:r>
+                        <a:rPr lang="en-US" sz="1800" dirty="0">
+                          <a:solidFill>
+                            <a:srgbClr val="000000"/>
+                          </a:solidFill>
+                          <a:effectLst/>
+                          <a:latin typeface="Segoe UI" panose="020B0502040204020203" pitchFamily="34" charset="0"/>
+                          <a:cs typeface="Segoe UI" panose="020B0502040204020203" pitchFamily="34" charset="0"/>
+                        </a:rPr>
+                        <a:t>It is an approach of defining multiple methods with the same name and with the same signature.</a:t>
+                      </a:r>
+                      <a:endParaRPr lang="en-US" sz="1800" dirty="0">
+                        <a:effectLst/>
+                        <a:latin typeface="Segoe UI" panose="020B0502040204020203" pitchFamily="34" charset="0"/>
+                        <a:cs typeface="Segoe UI" panose="020B0502040204020203" pitchFamily="34" charset="0"/>
+                      </a:endParaRPr>
+                    </a:p>
+                  </a:txBody>
+                  <a:tcPr marL="23047" marR="23047" marT="23047" marB="23047" anchor="ctr"/>
+                </a:tc>
+                <a:extLst>
+                  <a:ext uri="{0D108BD9-81ED-4DB2-BD59-A6C34878D82A}">
+                    <a16:rowId xmlns:a16="http://schemas.microsoft.com/office/drawing/2014/main" val="330052474"/>
+                  </a:ext>
+                </a:extLst>
+              </a:tr>
+              <a:tr h="918653">
+                <a:tc>
+                  <a:txBody>
+                    <a:bodyPr/>
+                    <a:lstStyle/>
+                    <a:p>
+                      <a:pPr algn="l" fontAlgn="base"/>
+                      <a:r>
+                        <a:rPr lang="en-US" sz="1800">
+                          <a:solidFill>
+                            <a:srgbClr val="000000"/>
+                          </a:solidFill>
+                          <a:effectLst/>
+                          <a:latin typeface="Segoe UI" panose="020B0502040204020203" pitchFamily="34" charset="0"/>
+                          <a:cs typeface="Segoe UI" panose="020B0502040204020203" pitchFamily="34" charset="0"/>
+                        </a:rPr>
+                        <a:t>Overloading a method can be performed within a class or within the child classes also.</a:t>
+                      </a:r>
+                      <a:endParaRPr lang="en-US" sz="1800">
+                        <a:effectLst/>
+                        <a:latin typeface="Segoe UI" panose="020B0502040204020203" pitchFamily="34" charset="0"/>
+                        <a:cs typeface="Segoe UI" panose="020B0502040204020203" pitchFamily="34" charset="0"/>
+                      </a:endParaRPr>
+                    </a:p>
+                  </a:txBody>
+                  <a:tcPr marL="23047" marR="23047" marT="23047" marB="23047" anchor="ctr"/>
+                </a:tc>
+                <a:tc>
+                  <a:txBody>
+                    <a:bodyPr/>
+                    <a:lstStyle/>
+                    <a:p>
+                      <a:pPr algn="l" fontAlgn="base"/>
+                      <a:r>
+                        <a:rPr lang="en-US" sz="1800">
+                          <a:solidFill>
+                            <a:srgbClr val="000000"/>
+                          </a:solidFill>
+                          <a:effectLst/>
+                          <a:latin typeface="Segoe UI" panose="020B0502040204020203" pitchFamily="34" charset="0"/>
+                          <a:cs typeface="Segoe UI" panose="020B0502040204020203" pitchFamily="34" charset="0"/>
+                        </a:rPr>
+                        <a:t>Overriding of methods is not possible within the same class it must be performed under the child classes.</a:t>
+                      </a:r>
+                      <a:endParaRPr lang="en-US" sz="1800">
+                        <a:effectLst/>
+                        <a:latin typeface="Segoe UI" panose="020B0502040204020203" pitchFamily="34" charset="0"/>
+                        <a:cs typeface="Segoe UI" panose="020B0502040204020203" pitchFamily="34" charset="0"/>
+                      </a:endParaRPr>
+                    </a:p>
+                  </a:txBody>
+                  <a:tcPr marL="23047" marR="23047" marT="23047" marB="23047" anchor="ctr"/>
+                </a:tc>
+                <a:extLst>
+                  <a:ext uri="{0D108BD9-81ED-4DB2-BD59-A6C34878D82A}">
+                    <a16:rowId xmlns:a16="http://schemas.microsoft.com/office/drawing/2014/main" val="2289016024"/>
+                  </a:ext>
+                </a:extLst>
+              </a:tr>
+              <a:tr h="1089712">
+                <a:tc>
+                  <a:txBody>
+                    <a:bodyPr/>
+                    <a:lstStyle/>
+                    <a:p>
+                      <a:pPr algn="l" fontAlgn="base"/>
+                      <a:r>
+                        <a:rPr lang="en-US" sz="1800" dirty="0">
+                          <a:solidFill>
+                            <a:srgbClr val="000000"/>
+                          </a:solidFill>
+                          <a:effectLst/>
+                          <a:latin typeface="Segoe UI" panose="020B0502040204020203" pitchFamily="34" charset="0"/>
+                          <a:cs typeface="Segoe UI" panose="020B0502040204020203" pitchFamily="34" charset="0"/>
+                        </a:rPr>
+                        <a:t>To overload a parent class method under the child class, the child class does not require permission from the parent.</a:t>
+                      </a:r>
+                      <a:endParaRPr lang="en-US" sz="1800" dirty="0">
+                        <a:effectLst/>
+                        <a:latin typeface="Segoe UI" panose="020B0502040204020203" pitchFamily="34" charset="0"/>
+                        <a:cs typeface="Segoe UI" panose="020B0502040204020203" pitchFamily="34" charset="0"/>
+                      </a:endParaRPr>
+                    </a:p>
+                  </a:txBody>
+                  <a:tcPr marL="23047" marR="23047" marT="23047" marB="23047" anchor="ctr"/>
+                </a:tc>
+                <a:tc>
+                  <a:txBody>
+                    <a:bodyPr/>
+                    <a:lstStyle/>
+                    <a:p>
+                      <a:pPr algn="l" fontAlgn="base"/>
+                      <a:r>
+                        <a:rPr lang="en-US" sz="1800">
+                          <a:solidFill>
+                            <a:srgbClr val="000000"/>
+                          </a:solidFill>
+                          <a:effectLst/>
+                          <a:latin typeface="Segoe UI" panose="020B0502040204020203" pitchFamily="34" charset="0"/>
+                          <a:cs typeface="Segoe UI" panose="020B0502040204020203" pitchFamily="34" charset="0"/>
+                        </a:rPr>
+                        <a:t>To override a parent class method under the child class, first, the child class requires explicit permission from its parent.</a:t>
+                      </a:r>
+                      <a:endParaRPr lang="en-US" sz="1800">
+                        <a:effectLst/>
+                        <a:latin typeface="Segoe UI" panose="020B0502040204020203" pitchFamily="34" charset="0"/>
+                        <a:cs typeface="Segoe UI" panose="020B0502040204020203" pitchFamily="34" charset="0"/>
+                      </a:endParaRPr>
+                    </a:p>
+                  </a:txBody>
+                  <a:tcPr marL="23047" marR="23047" marT="23047" marB="23047" anchor="ctr"/>
+                </a:tc>
+                <a:extLst>
+                  <a:ext uri="{0D108BD9-81ED-4DB2-BD59-A6C34878D82A}">
+                    <a16:rowId xmlns:a16="http://schemas.microsoft.com/office/drawing/2014/main" val="170304255"/>
+                  </a:ext>
+                </a:extLst>
+              </a:tr>
+              <a:tr h="576534">
+                <a:tc>
+                  <a:txBody>
+                    <a:bodyPr/>
+                    <a:lstStyle/>
+                    <a:p>
+                      <a:pPr algn="l" fontAlgn="base"/>
+                      <a:r>
+                        <a:rPr lang="en-US" sz="1800">
+                          <a:solidFill>
+                            <a:srgbClr val="000000"/>
+                          </a:solidFill>
+                          <a:effectLst/>
+                          <a:latin typeface="Segoe UI" panose="020B0502040204020203" pitchFamily="34" charset="0"/>
+                          <a:cs typeface="Segoe UI" panose="020B0502040204020203" pitchFamily="34" charset="0"/>
+                        </a:rPr>
+                        <a:t>This is all about defining multiple behaviors to a method.</a:t>
+                      </a:r>
+                      <a:endParaRPr lang="en-US" sz="1800">
+                        <a:effectLst/>
+                        <a:latin typeface="Segoe UI" panose="020B0502040204020203" pitchFamily="34" charset="0"/>
+                        <a:cs typeface="Segoe UI" panose="020B0502040204020203" pitchFamily="34" charset="0"/>
+                      </a:endParaRPr>
+                    </a:p>
+                  </a:txBody>
+                  <a:tcPr marL="23047" marR="23047" marT="23047" marB="23047" anchor="ctr"/>
+                </a:tc>
+                <a:tc>
+                  <a:txBody>
+                    <a:bodyPr/>
+                    <a:lstStyle/>
+                    <a:p>
+                      <a:pPr algn="l" fontAlgn="base"/>
+                      <a:r>
+                        <a:rPr lang="en-US" sz="1800">
+                          <a:solidFill>
+                            <a:srgbClr val="000000"/>
+                          </a:solidFill>
+                          <a:effectLst/>
+                          <a:latin typeface="Segoe UI" panose="020B0502040204020203" pitchFamily="34" charset="0"/>
+                          <a:cs typeface="Segoe UI" panose="020B0502040204020203" pitchFamily="34" charset="0"/>
+                        </a:rPr>
+                        <a:t>This is all about changing the behavior of a method.</a:t>
+                      </a:r>
+                      <a:endParaRPr lang="en-US" sz="1800">
+                        <a:effectLst/>
+                        <a:latin typeface="Segoe UI" panose="020B0502040204020203" pitchFamily="34" charset="0"/>
+                        <a:cs typeface="Segoe UI" panose="020B0502040204020203" pitchFamily="34" charset="0"/>
+                      </a:endParaRPr>
+                    </a:p>
+                  </a:txBody>
+                  <a:tcPr marL="23047" marR="23047" marT="23047" marB="23047" anchor="ctr"/>
+                </a:tc>
+                <a:extLst>
+                  <a:ext uri="{0D108BD9-81ED-4DB2-BD59-A6C34878D82A}">
+                    <a16:rowId xmlns:a16="http://schemas.microsoft.com/office/drawing/2014/main" val="1547648067"/>
+                  </a:ext>
+                </a:extLst>
+              </a:tr>
+              <a:tr h="405475">
+                <a:tc>
+                  <a:txBody>
+                    <a:bodyPr/>
+                    <a:lstStyle/>
+                    <a:p>
+                      <a:pPr algn="l" fontAlgn="base"/>
+                      <a:r>
+                        <a:rPr lang="en-US" sz="1800">
+                          <a:solidFill>
+                            <a:srgbClr val="000000"/>
+                          </a:solidFill>
+                          <a:effectLst/>
+                          <a:latin typeface="Segoe UI" panose="020B0502040204020203" pitchFamily="34" charset="0"/>
+                          <a:cs typeface="Segoe UI" panose="020B0502040204020203" pitchFamily="34" charset="0"/>
+                        </a:rPr>
+                        <a:t>Used to implement static polymorphism.</a:t>
+                      </a:r>
+                      <a:endParaRPr lang="en-US" sz="1800">
+                        <a:effectLst/>
+                        <a:latin typeface="Segoe UI" panose="020B0502040204020203" pitchFamily="34" charset="0"/>
+                        <a:cs typeface="Segoe UI" panose="020B0502040204020203" pitchFamily="34" charset="0"/>
+                      </a:endParaRPr>
+                    </a:p>
+                  </a:txBody>
+                  <a:tcPr marL="23047" marR="23047" marT="23047" marB="23047" anchor="ctr"/>
+                </a:tc>
+                <a:tc>
+                  <a:txBody>
+                    <a:bodyPr/>
+                    <a:lstStyle/>
+                    <a:p>
+                      <a:pPr algn="l" fontAlgn="base"/>
+                      <a:r>
+                        <a:rPr lang="en-US" sz="1800" dirty="0">
+                          <a:solidFill>
+                            <a:srgbClr val="000000"/>
+                          </a:solidFill>
+                          <a:effectLst/>
+                          <a:latin typeface="Segoe UI" panose="020B0502040204020203" pitchFamily="34" charset="0"/>
+                          <a:cs typeface="Segoe UI" panose="020B0502040204020203" pitchFamily="34" charset="0"/>
+                        </a:rPr>
+                        <a:t>Used to implement dynamic polymorphism.</a:t>
+                      </a:r>
+                      <a:endParaRPr lang="en-US" sz="1800" dirty="0">
+                        <a:effectLst/>
+                        <a:latin typeface="Segoe UI" panose="020B0502040204020203" pitchFamily="34" charset="0"/>
+                        <a:cs typeface="Segoe UI" panose="020B0502040204020203" pitchFamily="34" charset="0"/>
+                      </a:endParaRPr>
+                    </a:p>
+                  </a:txBody>
+                  <a:tcPr marL="23047" marR="23047" marT="23047" marB="23047" anchor="ctr"/>
+                </a:tc>
+                <a:extLst>
+                  <a:ext uri="{0D108BD9-81ED-4DB2-BD59-A6C34878D82A}">
+                    <a16:rowId xmlns:a16="http://schemas.microsoft.com/office/drawing/2014/main" val="3112751167"/>
+                  </a:ext>
+                </a:extLst>
+              </a:tr>
+              <a:tr h="405475">
+                <a:tc>
+                  <a:txBody>
+                    <a:bodyPr/>
+                    <a:lstStyle/>
+                    <a:p>
+                      <a:pPr algn="l" fontAlgn="base"/>
+                      <a:r>
+                        <a:rPr lang="fr-FR" sz="1800">
+                          <a:solidFill>
+                            <a:srgbClr val="000000"/>
+                          </a:solidFill>
+                          <a:effectLst/>
+                          <a:latin typeface="Segoe UI" panose="020B0502040204020203" pitchFamily="34" charset="0"/>
+                          <a:cs typeface="Segoe UI" panose="020B0502040204020203" pitchFamily="34" charset="0"/>
+                        </a:rPr>
+                        <a:t>This is a code refinement technique.</a:t>
+                      </a:r>
+                      <a:endParaRPr lang="fr-FR" sz="1800">
+                        <a:effectLst/>
+                        <a:latin typeface="Segoe UI" panose="020B0502040204020203" pitchFamily="34" charset="0"/>
+                        <a:cs typeface="Segoe UI" panose="020B0502040204020203" pitchFamily="34" charset="0"/>
+                      </a:endParaRPr>
+                    </a:p>
+                  </a:txBody>
+                  <a:tcPr marL="23047" marR="23047" marT="23047" marB="23047" anchor="ctr"/>
+                </a:tc>
+                <a:tc>
+                  <a:txBody>
+                    <a:bodyPr/>
+                    <a:lstStyle/>
+                    <a:p>
+                      <a:pPr algn="l" fontAlgn="base"/>
+                      <a:r>
+                        <a:rPr lang="en-US" sz="1800">
+                          <a:solidFill>
+                            <a:srgbClr val="000000"/>
+                          </a:solidFill>
+                          <a:effectLst/>
+                          <a:latin typeface="Segoe UI" panose="020B0502040204020203" pitchFamily="34" charset="0"/>
+                          <a:cs typeface="Segoe UI" panose="020B0502040204020203" pitchFamily="34" charset="0"/>
+                        </a:rPr>
+                        <a:t>This is a code replacement technique.</a:t>
+                      </a:r>
+                      <a:endParaRPr lang="en-US" sz="1800">
+                        <a:effectLst/>
+                        <a:latin typeface="Segoe UI" panose="020B0502040204020203" pitchFamily="34" charset="0"/>
+                        <a:cs typeface="Segoe UI" panose="020B0502040204020203" pitchFamily="34" charset="0"/>
+                      </a:endParaRPr>
+                    </a:p>
+                  </a:txBody>
+                  <a:tcPr marL="23047" marR="23047" marT="23047" marB="23047" anchor="ctr"/>
+                </a:tc>
+                <a:extLst>
+                  <a:ext uri="{0D108BD9-81ED-4DB2-BD59-A6C34878D82A}">
+                    <a16:rowId xmlns:a16="http://schemas.microsoft.com/office/drawing/2014/main" val="2154970903"/>
+                  </a:ext>
+                </a:extLst>
+              </a:tr>
+              <a:tr h="1260771">
+                <a:tc>
+                  <a:txBody>
+                    <a:bodyPr/>
+                    <a:lstStyle/>
+                    <a:p>
+                      <a:pPr algn="just" fontAlgn="base"/>
+                      <a:r>
+                        <a:rPr lang="en-US" sz="1800">
+                          <a:solidFill>
+                            <a:srgbClr val="000000"/>
+                          </a:solidFill>
+                          <a:effectLst/>
+                          <a:latin typeface="Segoe UI" panose="020B0502040204020203" pitchFamily="34" charset="0"/>
+                          <a:cs typeface="Segoe UI" panose="020B0502040204020203" pitchFamily="34" charset="0"/>
+                        </a:rPr>
+                        <a:t>No separate keywords are used to implement function overloading.</a:t>
+                      </a:r>
+                      <a:endParaRPr lang="en-US" sz="1800">
+                        <a:effectLst/>
+                        <a:latin typeface="Segoe UI" panose="020B0502040204020203" pitchFamily="34" charset="0"/>
+                        <a:cs typeface="Segoe UI" panose="020B0502040204020203" pitchFamily="34" charset="0"/>
+                      </a:endParaRPr>
+                    </a:p>
+                  </a:txBody>
+                  <a:tcPr marL="23047" marR="23047" marT="23047" marB="23047" anchor="ctr"/>
+                </a:tc>
+                <a:tc>
+                  <a:txBody>
+                    <a:bodyPr/>
+                    <a:lstStyle/>
+                    <a:p>
+                      <a:pPr algn="just" fontAlgn="base"/>
+                      <a:r>
+                        <a:rPr lang="en-US" sz="1800" dirty="0">
+                          <a:solidFill>
+                            <a:srgbClr val="000000"/>
+                          </a:solidFill>
+                          <a:effectLst/>
+                          <a:latin typeface="Segoe UI" panose="020B0502040204020203" pitchFamily="34" charset="0"/>
+                          <a:cs typeface="Segoe UI" panose="020B0502040204020203" pitchFamily="34" charset="0"/>
+                        </a:rPr>
+                        <a:t>Use the </a:t>
+                      </a:r>
+                      <a:r>
+                        <a:rPr lang="en-US" sz="1800" b="1" dirty="0">
+                          <a:solidFill>
+                            <a:srgbClr val="0000FF"/>
+                          </a:solidFill>
+                          <a:effectLst/>
+                          <a:latin typeface="Segoe UI" panose="020B0502040204020203" pitchFamily="34" charset="0"/>
+                          <a:cs typeface="Segoe UI" panose="020B0502040204020203" pitchFamily="34" charset="0"/>
+                        </a:rPr>
+                        <a:t>virtual</a:t>
+                      </a:r>
+                      <a:r>
+                        <a:rPr lang="en-US" sz="1800" dirty="0">
+                          <a:solidFill>
+                            <a:srgbClr val="0000FF"/>
+                          </a:solidFill>
+                          <a:effectLst/>
+                          <a:latin typeface="Segoe UI" panose="020B0502040204020203" pitchFamily="34" charset="0"/>
+                          <a:cs typeface="Segoe UI" panose="020B0502040204020203" pitchFamily="34" charset="0"/>
+                        </a:rPr>
+                        <a:t> </a:t>
+                      </a:r>
+                      <a:r>
+                        <a:rPr lang="en-US" sz="1800" dirty="0">
+                          <a:solidFill>
+                            <a:srgbClr val="000000"/>
+                          </a:solidFill>
+                          <a:effectLst/>
+                          <a:latin typeface="Segoe UI" panose="020B0502040204020203" pitchFamily="34" charset="0"/>
+                          <a:cs typeface="Segoe UI" panose="020B0502040204020203" pitchFamily="34" charset="0"/>
+                        </a:rPr>
+                        <a:t>keyword for the base class function and </a:t>
+                      </a:r>
+                      <a:r>
+                        <a:rPr lang="en-US" sz="1800" b="1" dirty="0">
+                          <a:solidFill>
+                            <a:srgbClr val="0000FF"/>
+                          </a:solidFill>
+                          <a:effectLst/>
+                          <a:latin typeface="Segoe UI" panose="020B0502040204020203" pitchFamily="34" charset="0"/>
+                          <a:cs typeface="Segoe UI" panose="020B0502040204020203" pitchFamily="34" charset="0"/>
+                        </a:rPr>
+                        <a:t>override</a:t>
+                      </a:r>
+                      <a:r>
+                        <a:rPr lang="en-US" sz="1800" b="1" dirty="0">
+                          <a:solidFill>
+                            <a:srgbClr val="000000"/>
+                          </a:solidFill>
+                          <a:effectLst/>
+                          <a:latin typeface="Segoe UI" panose="020B0502040204020203" pitchFamily="34" charset="0"/>
+                          <a:cs typeface="Segoe UI" panose="020B0502040204020203" pitchFamily="34" charset="0"/>
+                        </a:rPr>
+                        <a:t> </a:t>
+                      </a:r>
+                      <a:r>
+                        <a:rPr lang="en-US" sz="1800" dirty="0">
+                          <a:solidFill>
+                            <a:srgbClr val="000000"/>
+                          </a:solidFill>
+                          <a:effectLst/>
+                          <a:latin typeface="Segoe UI" panose="020B0502040204020203" pitchFamily="34" charset="0"/>
+                          <a:cs typeface="Segoe UI" panose="020B0502040204020203" pitchFamily="34" charset="0"/>
+                        </a:rPr>
+                        <a:t>keyword in the derived class function to implement function overriding.</a:t>
+                      </a:r>
+                      <a:endParaRPr lang="en-US" sz="1800" dirty="0">
+                        <a:effectLst/>
+                        <a:latin typeface="Segoe UI" panose="020B0502040204020203" pitchFamily="34" charset="0"/>
+                        <a:cs typeface="Segoe UI" panose="020B0502040204020203" pitchFamily="34" charset="0"/>
+                      </a:endParaRPr>
+                    </a:p>
+                  </a:txBody>
+                  <a:tcPr marL="23047" marR="23047" marT="23047" marB="23047" anchor="ctr"/>
+                </a:tc>
+                <a:extLst>
+                  <a:ext uri="{0D108BD9-81ED-4DB2-BD59-A6C34878D82A}">
+                    <a16:rowId xmlns:a16="http://schemas.microsoft.com/office/drawing/2014/main" val="1914395077"/>
+                  </a:ext>
+                </a:extLst>
+              </a:tr>
+            </a:tbl>
+          </a:graphicData>
+        </a:graphic>
+      </p:graphicFrame>
+    </p:spTree>
+    <p:extLst>
+      <p:ext uri="{BB962C8B-B14F-4D97-AF65-F5344CB8AC3E}">
+        <p14:creationId xmlns:p14="http://schemas.microsoft.com/office/powerpoint/2010/main" val="269896462"/>
+      </p:ext>
+    </p:extLst>
+  </p:cSld>
+  <p:clrMapOvr>
+    <a:masterClrMapping/>
+  </p:clrMapOvr>
+</p:sld>
+</file>
+
+<file path=ppt/slides/slide6.xml><?xml version="1.0" encoding="utf-8"?>
+<p:sld xmlns:a="http://schemas.openxmlformats.org/drawingml/2006/main" xmlns:r="http://schemas.openxmlformats.org/officeDocument/2006/relationships" xmlns:p="http://schemas.openxmlformats.org/presentationml/2006/main">
+  <p:cSld>
+    <p:spTree>
+      <p:nvGrpSpPr>
+        <p:cNvPr id="1" name=""/>
+        <p:cNvGrpSpPr/>
+        <p:nvPr/>
+      </p:nvGrpSpPr>
+      <p:grpSpPr>
+        <a:xfrm>
+          <a:off x="0" y="0"/>
+          <a:ext cx="0" cy="0"/>
+          <a:chOff x="0" y="0"/>
+          <a:chExt cx="0" cy="0"/>
+        </a:xfrm>
+      </p:grpSpPr>
+      <p:sp>
+        <p:nvSpPr>
+          <p:cNvPr id="3" name="TextBox 2">
+            <a:extLst>
+              <a:ext uri="{FF2B5EF4-FFF2-40B4-BE49-F238E27FC236}">
+                <a16:creationId xmlns:a16="http://schemas.microsoft.com/office/drawing/2014/main" id="{7C00ECB9-0696-42DE-8A7A-70783EC530AC}"/>
+              </a:ext>
+            </a:extLst>
+          </p:cNvPr>
+          <p:cNvSpPr txBox="1"/>
+          <p:nvPr/>
+        </p:nvSpPr>
+        <p:spPr>
+          <a:xfrm>
+            <a:off x="111894" y="19251"/>
+            <a:ext cx="11968212" cy="3693319"/>
+          </a:xfrm>
+          <a:prstGeom prst="rect">
+            <a:avLst/>
+          </a:prstGeom>
+          <a:noFill/>
+        </p:spPr>
+        <p:txBody>
+          <a:bodyPr wrap="square">
+            <a:spAutoFit/>
+          </a:bodyPr>
+          <a:lstStyle/>
+          <a:p>
+            <a:pPr algn="l" fontAlgn="base"/>
+            <a:r>
+              <a:rPr lang="en-US" b="1" i="0" dirty="0">
+                <a:solidFill>
+                  <a:srgbClr val="000000"/>
+                </a:solidFill>
+                <a:effectLst/>
+                <a:latin typeface="Segoe UI" panose="020B0502040204020203" pitchFamily="34" charset="0"/>
+                <a:cs typeface="Segoe UI" panose="020B0502040204020203" pitchFamily="34" charset="0"/>
+              </a:rPr>
+              <a:t>What is Method Hiding in C#?</a:t>
+            </a:r>
+            <a:endParaRPr lang="en-US" b="0" i="0" dirty="0">
+              <a:solidFill>
+                <a:srgbClr val="3A3A3A"/>
+              </a:solidFill>
+              <a:effectLst/>
+              <a:latin typeface="Segoe UI" panose="020B0502040204020203" pitchFamily="34" charset="0"/>
+              <a:cs typeface="Segoe UI" panose="020B0502040204020203" pitchFamily="34" charset="0"/>
+            </a:endParaRPr>
+          </a:p>
+          <a:p>
+            <a:pPr algn="just" fontAlgn="base"/>
+            <a:r>
+              <a:rPr lang="en-US" b="0" i="0" dirty="0">
+                <a:solidFill>
+                  <a:srgbClr val="000000"/>
+                </a:solidFill>
+                <a:effectLst/>
+                <a:latin typeface="Segoe UI" panose="020B0502040204020203" pitchFamily="34" charset="0"/>
+                <a:cs typeface="Segoe UI" panose="020B0502040204020203" pitchFamily="34" charset="0"/>
+              </a:rPr>
+              <a:t>When we use the </a:t>
+            </a:r>
+            <a:r>
+              <a:rPr lang="en-US" b="1" i="0" dirty="0">
+                <a:solidFill>
+                  <a:srgbClr val="000000"/>
+                </a:solidFill>
+                <a:effectLst/>
+                <a:latin typeface="Segoe UI" panose="020B0502040204020203" pitchFamily="34" charset="0"/>
+                <a:cs typeface="Segoe UI" panose="020B0502040204020203" pitchFamily="34" charset="0"/>
+              </a:rPr>
+              <a:t>new</a:t>
+            </a:r>
+            <a:r>
+              <a:rPr lang="en-US" b="0" i="0" dirty="0">
+                <a:solidFill>
+                  <a:srgbClr val="000000"/>
+                </a:solidFill>
+                <a:effectLst/>
+                <a:latin typeface="Segoe UI" panose="020B0502040204020203" pitchFamily="34" charset="0"/>
+                <a:cs typeface="Segoe UI" panose="020B0502040204020203" pitchFamily="34" charset="0"/>
+              </a:rPr>
+              <a:t> keyword to hide a base class member, then it is called </a:t>
+            </a:r>
+            <a:r>
+              <a:rPr lang="en-US" b="1" i="0" dirty="0">
+                <a:solidFill>
+                  <a:srgbClr val="000000"/>
+                </a:solidFill>
+                <a:effectLst/>
+                <a:latin typeface="Segoe UI" panose="020B0502040204020203" pitchFamily="34" charset="0"/>
+                <a:cs typeface="Segoe UI" panose="020B0502040204020203" pitchFamily="34" charset="0"/>
+              </a:rPr>
+              <a:t>Method Hiding in C#</a:t>
+            </a:r>
+            <a:r>
+              <a:rPr lang="en-US" b="0" i="0" dirty="0">
+                <a:solidFill>
+                  <a:srgbClr val="000000"/>
+                </a:solidFill>
+                <a:effectLst/>
+                <a:latin typeface="Segoe UI" panose="020B0502040204020203" pitchFamily="34" charset="0"/>
+                <a:cs typeface="Segoe UI" panose="020B0502040204020203" pitchFamily="34" charset="0"/>
+              </a:rPr>
+              <a:t>. We will get a compiler warning if we miss the new keyword. This is also used for re-implementing a parent class method under child class. Re-implementing parent class methods under child classes can be done using two different approaches, such as</a:t>
+            </a:r>
+            <a:endParaRPr lang="en-US" b="0" i="0" dirty="0">
+              <a:solidFill>
+                <a:srgbClr val="212529"/>
+              </a:solidFill>
+              <a:effectLst/>
+              <a:latin typeface="Segoe UI" panose="020B0502040204020203" pitchFamily="34" charset="0"/>
+              <a:cs typeface="Segoe UI" panose="020B0502040204020203" pitchFamily="34" charset="0"/>
+            </a:endParaRPr>
+          </a:p>
+          <a:p>
+            <a:pPr algn="just" fontAlgn="base">
+              <a:buFont typeface="+mj-lt"/>
+              <a:buAutoNum type="arabicPeriod"/>
+            </a:pPr>
+            <a:r>
+              <a:rPr lang="en-US" b="1" i="0" dirty="0">
+                <a:solidFill>
+                  <a:srgbClr val="000000"/>
+                </a:solidFill>
+                <a:effectLst/>
+                <a:latin typeface="Segoe UI" panose="020B0502040204020203" pitchFamily="34" charset="0"/>
+                <a:cs typeface="Segoe UI" panose="020B0502040204020203" pitchFamily="34" charset="0"/>
+              </a:rPr>
+              <a:t>Method Overriding</a:t>
+            </a:r>
+            <a:endParaRPr lang="en-US" b="0" i="0" dirty="0">
+              <a:solidFill>
+                <a:srgbClr val="212529"/>
+              </a:solidFill>
+              <a:effectLst/>
+              <a:latin typeface="Segoe UI" panose="020B0502040204020203" pitchFamily="34" charset="0"/>
+              <a:cs typeface="Segoe UI" panose="020B0502040204020203" pitchFamily="34" charset="0"/>
+            </a:endParaRPr>
+          </a:p>
+          <a:p>
+            <a:pPr algn="just" fontAlgn="base">
+              <a:buFont typeface="+mj-lt"/>
+              <a:buAutoNum type="arabicPeriod"/>
+            </a:pPr>
+            <a:r>
+              <a:rPr lang="en-US" b="1" i="0" dirty="0">
+                <a:solidFill>
+                  <a:srgbClr val="000000"/>
+                </a:solidFill>
+                <a:effectLst/>
+                <a:latin typeface="Segoe UI" panose="020B0502040204020203" pitchFamily="34" charset="0"/>
+                <a:cs typeface="Segoe UI" panose="020B0502040204020203" pitchFamily="34" charset="0"/>
+              </a:rPr>
+              <a:t>Method Hiding</a:t>
+            </a:r>
+          </a:p>
+          <a:p>
+            <a:pPr algn="just" fontAlgn="base"/>
+            <a:endParaRPr lang="en-US" b="0" i="0" dirty="0">
+              <a:solidFill>
+                <a:srgbClr val="212529"/>
+              </a:solidFill>
+              <a:effectLst/>
+              <a:latin typeface="Segoe UI" panose="020B0502040204020203" pitchFamily="34" charset="0"/>
+              <a:cs typeface="Segoe UI" panose="020B0502040204020203" pitchFamily="34" charset="0"/>
+            </a:endParaRPr>
+          </a:p>
+          <a:p>
+            <a:pPr algn="just" fontAlgn="base"/>
+            <a:r>
+              <a:rPr lang="en-US" b="0" i="0" dirty="0">
+                <a:solidFill>
+                  <a:srgbClr val="000000"/>
+                </a:solidFill>
+                <a:effectLst/>
+                <a:latin typeface="Segoe UI" panose="020B0502040204020203" pitchFamily="34" charset="0"/>
+                <a:cs typeface="Segoe UI" panose="020B0502040204020203" pitchFamily="34" charset="0"/>
+              </a:rPr>
+              <a:t>In the first case, we re-implement the parent class methods under child classes with the permission of parent class because here in parent class the method is declared as </a:t>
+            </a:r>
+            <a:r>
+              <a:rPr lang="en-US" b="1" i="0" dirty="0">
+                <a:solidFill>
+                  <a:srgbClr val="000000"/>
+                </a:solidFill>
+                <a:effectLst/>
+                <a:latin typeface="Segoe UI" panose="020B0502040204020203" pitchFamily="34" charset="0"/>
+                <a:cs typeface="Segoe UI" panose="020B0502040204020203" pitchFamily="34" charset="0"/>
+              </a:rPr>
+              <a:t>virtual</a:t>
+            </a:r>
+            <a:r>
+              <a:rPr lang="en-US" b="0" i="0" dirty="0">
+                <a:solidFill>
+                  <a:srgbClr val="000000"/>
+                </a:solidFill>
+                <a:effectLst/>
+                <a:latin typeface="Segoe UI" panose="020B0502040204020203" pitchFamily="34" charset="0"/>
+                <a:cs typeface="Segoe UI" panose="020B0502040204020203" pitchFamily="34" charset="0"/>
+              </a:rPr>
+              <a:t> giving permission to the child classes for overriding the methods using the </a:t>
+            </a:r>
+            <a:r>
+              <a:rPr lang="en-US" b="1" i="0" dirty="0">
+                <a:solidFill>
+                  <a:srgbClr val="000000"/>
+                </a:solidFill>
+                <a:effectLst/>
+                <a:latin typeface="Segoe UI" panose="020B0502040204020203" pitchFamily="34" charset="0"/>
+                <a:cs typeface="Segoe UI" panose="020B0502040204020203" pitchFamily="34" charset="0"/>
+              </a:rPr>
+              <a:t>override</a:t>
+            </a:r>
+            <a:r>
+              <a:rPr lang="en-US" b="0" i="0" dirty="0">
+                <a:solidFill>
+                  <a:srgbClr val="000000"/>
+                </a:solidFill>
+                <a:effectLst/>
+                <a:latin typeface="Segoe UI" panose="020B0502040204020203" pitchFamily="34" charset="0"/>
+                <a:cs typeface="Segoe UI" panose="020B0502040204020203" pitchFamily="34" charset="0"/>
+              </a:rPr>
+              <a:t> modifier.</a:t>
+            </a:r>
+            <a:endParaRPr lang="en-US" b="0" i="0" dirty="0">
+              <a:solidFill>
+                <a:srgbClr val="212529"/>
+              </a:solidFill>
+              <a:effectLst/>
+              <a:latin typeface="Segoe UI" panose="020B0502040204020203" pitchFamily="34" charset="0"/>
+              <a:cs typeface="Segoe UI" panose="020B0502040204020203" pitchFamily="34" charset="0"/>
+            </a:endParaRPr>
+          </a:p>
+          <a:p>
+            <a:pPr algn="just" fontAlgn="base"/>
+            <a:r>
+              <a:rPr lang="en-US" b="0" i="0" dirty="0">
+                <a:solidFill>
+                  <a:srgbClr val="000000"/>
+                </a:solidFill>
+                <a:effectLst/>
+                <a:latin typeface="Segoe UI" panose="020B0502040204020203" pitchFamily="34" charset="0"/>
+                <a:cs typeface="Segoe UI" panose="020B0502040204020203" pitchFamily="34" charset="0"/>
+              </a:rPr>
+              <a:t>In the 2</a:t>
+            </a:r>
+            <a:r>
+              <a:rPr lang="en-US" b="0" i="0" baseline="30000" dirty="0">
+                <a:solidFill>
+                  <a:srgbClr val="000000"/>
+                </a:solidFill>
+                <a:effectLst/>
+                <a:latin typeface="Segoe UI" panose="020B0502040204020203" pitchFamily="34" charset="0"/>
+                <a:cs typeface="Segoe UI" panose="020B0502040204020203" pitchFamily="34" charset="0"/>
+              </a:rPr>
+              <a:t>nd</a:t>
+            </a:r>
+            <a:r>
+              <a:rPr lang="en-US" b="0" i="0" dirty="0">
+                <a:solidFill>
+                  <a:srgbClr val="000000"/>
+                </a:solidFill>
+                <a:effectLst/>
+                <a:latin typeface="Segoe UI" panose="020B0502040204020203" pitchFamily="34" charset="0"/>
+                <a:cs typeface="Segoe UI" panose="020B0502040204020203" pitchFamily="34" charset="0"/>
+              </a:rPr>
+              <a:t> approach, we re-implement the method of parent class even if those methods are not declared as virtual that is without parent permission we are re-implementing the methods.</a:t>
+            </a:r>
+            <a:endParaRPr lang="en-US" b="0" i="0" dirty="0">
+              <a:solidFill>
+                <a:srgbClr val="212529"/>
+              </a:solidFill>
+              <a:effectLst/>
+              <a:latin typeface="Segoe UI" panose="020B0502040204020203" pitchFamily="34" charset="0"/>
+              <a:cs typeface="Segoe UI" panose="020B0502040204020203" pitchFamily="34" charset="0"/>
+            </a:endParaRPr>
+          </a:p>
+        </p:txBody>
+      </p:sp>
+      <p:sp>
+        <p:nvSpPr>
+          <p:cNvPr id="5" name="TextBox 4">
+            <a:extLst>
+              <a:ext uri="{FF2B5EF4-FFF2-40B4-BE49-F238E27FC236}">
+                <a16:creationId xmlns:a16="http://schemas.microsoft.com/office/drawing/2014/main" id="{49993CBD-5B39-4D46-A4BF-43F131703978}"/>
+              </a:ext>
+            </a:extLst>
+          </p:cNvPr>
+          <p:cNvSpPr txBox="1"/>
+          <p:nvPr/>
+        </p:nvSpPr>
+        <p:spPr>
+          <a:xfrm>
+            <a:off x="111894" y="3712570"/>
+            <a:ext cx="11968212" cy="2862322"/>
+          </a:xfrm>
+          <a:prstGeom prst="rect">
+            <a:avLst/>
+          </a:prstGeom>
+          <a:noFill/>
+        </p:spPr>
+        <p:txBody>
+          <a:bodyPr wrap="square">
+            <a:spAutoFit/>
+          </a:bodyPr>
+          <a:lstStyle/>
+          <a:p>
+            <a:pPr algn="just" fontAlgn="base"/>
+            <a:r>
+              <a:rPr lang="en-US" b="1" i="0" dirty="0">
+                <a:solidFill>
+                  <a:srgbClr val="000000"/>
+                </a:solidFill>
+                <a:effectLst/>
+                <a:latin typeface="Segoe UI" panose="020B0502040204020203" pitchFamily="34" charset="0"/>
+                <a:cs typeface="Segoe UI" panose="020B0502040204020203" pitchFamily="34" charset="0"/>
+              </a:rPr>
+              <a:t>The syntax for Method Hiding in C#:</a:t>
+            </a:r>
+            <a:endParaRPr lang="en-US" b="0" i="0" dirty="0">
+              <a:solidFill>
+                <a:srgbClr val="3A3A3A"/>
+              </a:solidFill>
+              <a:effectLst/>
+              <a:latin typeface="Segoe UI" panose="020B0502040204020203" pitchFamily="34" charset="0"/>
+              <a:cs typeface="Segoe UI" panose="020B0502040204020203" pitchFamily="34" charset="0"/>
+            </a:endParaRPr>
+          </a:p>
+          <a:p>
+            <a:pPr algn="l" fontAlgn="base"/>
+            <a:r>
+              <a:rPr lang="en-US" b="0" i="0" dirty="0">
+                <a:solidFill>
+                  <a:srgbClr val="000000"/>
+                </a:solidFill>
+                <a:effectLst/>
+                <a:latin typeface="Segoe UI" panose="020B0502040204020203" pitchFamily="34" charset="0"/>
+                <a:cs typeface="Segoe UI" panose="020B0502040204020203" pitchFamily="34" charset="0"/>
+              </a:rPr>
+              <a:t>Please have a look at the following image to understand the syntax of Function Hiding in C#.</a:t>
+            </a:r>
+          </a:p>
+          <a:p>
+            <a:pPr algn="l" fontAlgn="base"/>
+            <a:endParaRPr lang="en-US" dirty="0">
+              <a:solidFill>
+                <a:srgbClr val="000000"/>
+              </a:solidFill>
+              <a:latin typeface="Segoe UI" panose="020B0502040204020203" pitchFamily="34" charset="0"/>
+              <a:cs typeface="Segoe UI" panose="020B0502040204020203" pitchFamily="34" charset="0"/>
+            </a:endParaRPr>
+          </a:p>
+          <a:p>
+            <a:pPr algn="l" fontAlgn="base"/>
+            <a:r>
+              <a:rPr lang="en-US" b="1" dirty="0">
+                <a:solidFill>
+                  <a:srgbClr val="0000FF"/>
+                </a:solidFill>
+                <a:latin typeface="Segoe UI" panose="020B0502040204020203" pitchFamily="34" charset="0"/>
+                <a:cs typeface="Segoe UI" panose="020B0502040204020203" pitchFamily="34" charset="0"/>
+              </a:rPr>
+              <a:t>Public Class1 :</a:t>
+            </a:r>
+          </a:p>
+          <a:p>
+            <a:pPr algn="l" fontAlgn="base"/>
+            <a:r>
+              <a:rPr lang="en-US" b="1" dirty="0">
+                <a:solidFill>
+                  <a:srgbClr val="0000FF"/>
+                </a:solidFill>
+                <a:latin typeface="Segoe UI" panose="020B0502040204020203" pitchFamily="34" charset="0"/>
+                <a:cs typeface="Segoe UI" panose="020B0502040204020203" pitchFamily="34" charset="0"/>
+              </a:rPr>
+              <a:t>Public Void Display();</a:t>
+            </a:r>
+          </a:p>
+          <a:p>
+            <a:pPr algn="l" fontAlgn="base"/>
+            <a:endParaRPr lang="en-US" b="1" dirty="0">
+              <a:solidFill>
+                <a:srgbClr val="0000FF"/>
+              </a:solidFill>
+              <a:latin typeface="Segoe UI" panose="020B0502040204020203" pitchFamily="34" charset="0"/>
+              <a:cs typeface="Segoe UI" panose="020B0502040204020203" pitchFamily="34" charset="0"/>
+            </a:endParaRPr>
+          </a:p>
+          <a:p>
+            <a:pPr algn="l" fontAlgn="base"/>
+            <a:r>
+              <a:rPr lang="en-US" b="1" dirty="0">
+                <a:solidFill>
+                  <a:srgbClr val="0000FF"/>
+                </a:solidFill>
+                <a:latin typeface="Segoe UI" panose="020B0502040204020203" pitchFamily="34" charset="0"/>
+                <a:cs typeface="Segoe UI" panose="020B0502040204020203" pitchFamily="34" charset="0"/>
+              </a:rPr>
+              <a:t>Public Class2:Class1</a:t>
+            </a:r>
+          </a:p>
+          <a:p>
+            <a:pPr algn="l" fontAlgn="base"/>
+            <a:r>
+              <a:rPr lang="en-US" b="1" dirty="0">
+                <a:solidFill>
+                  <a:srgbClr val="0000FF"/>
+                </a:solidFill>
+                <a:latin typeface="Segoe UI" panose="020B0502040204020203" pitchFamily="34" charset="0"/>
+                <a:cs typeface="Segoe UI" panose="020B0502040204020203" pitchFamily="34" charset="0"/>
+              </a:rPr>
+              <a:t>Public New Void Display();</a:t>
+            </a:r>
+          </a:p>
+          <a:p>
+            <a:br>
+              <a:rPr lang="en-US" dirty="0">
+                <a:latin typeface="Segoe UI" panose="020B0502040204020203" pitchFamily="34" charset="0"/>
+                <a:cs typeface="Segoe UI" panose="020B0502040204020203" pitchFamily="34" charset="0"/>
+              </a:rPr>
+            </a:br>
+            <a:endParaRPr lang="en-US" dirty="0">
+              <a:latin typeface="Segoe UI" panose="020B0502040204020203" pitchFamily="34" charset="0"/>
+              <a:cs typeface="Segoe UI" panose="020B0502040204020203" pitchFamily="34" charset="0"/>
+            </a:endParaRPr>
+          </a:p>
+        </p:txBody>
+      </p:sp>
+    </p:spTree>
+    <p:extLst>
+      <p:ext uri="{BB962C8B-B14F-4D97-AF65-F5344CB8AC3E}">
+        <p14:creationId xmlns:p14="http://schemas.microsoft.com/office/powerpoint/2010/main" val="2405805746"/>
       </p:ext>
     </p:extLst>
   </p:cSld>
